--- a/Document/答辩/中期/中期PPT.pptx
+++ b/Document/答辩/中期/中期PPT.pptx
@@ -7727,7 +7727,7 @@
         </p:blipFill>
         <p:spPr>
           <a:xfrm>
-            <a:off x="1189355" y="1068070"/>
+            <a:off x="2129790" y="641985"/>
             <a:ext cx="8467725" cy="2371725"/>
           </a:xfrm>
           <a:prstGeom prst="rect">
@@ -7861,7 +7861,7 @@
       </p:sp>
       <p:pic>
         <p:nvPicPr>
-          <p:cNvPr id="8" name="图片 7"/>
+          <p:cNvPr id="2" name="图片 1"/>
           <p:cNvPicPr>
             <a:picLocks noChangeAspect="1"/>
           </p:cNvPicPr>
@@ -7875,8 +7875,8 @@
         </p:blipFill>
         <p:spPr>
           <a:xfrm>
-            <a:off x="4352290" y="3563620"/>
-            <a:ext cx="5304790" cy="3128010"/>
+            <a:off x="4316730" y="3108325"/>
+            <a:ext cx="5581650" cy="3562985"/>
           </a:xfrm>
           <a:prstGeom prst="rect">
             <a:avLst/>
